--- a/presentation_files/slideshare.pptx
+++ b/presentation_files/slideshare.pptx
@@ -5,8 +5,12 @@
     <p:sldMasterId id="2147483648" r:id="rId1"/>
   </p:sldMasterIdLst>
   <p:sldIdLst>
-    <p:sldId id="256" r:id="rId2"/>
-    <p:sldId id="257" r:id="rId3"/>
+    <p:sldId id="257" r:id="rId2"/>
+    <p:sldId id="259" r:id="rId3"/>
+    <p:sldId id="256" r:id="rId4"/>
+    <p:sldId id="260" r:id="rId5"/>
+    <p:sldId id="261" r:id="rId6"/>
+    <p:sldId id="262" r:id="rId7"/>
   </p:sldIdLst>
   <p:sldSz cx="9144000" cy="6858000" type="screen4x3"/>
   <p:notesSz cx="6858000" cy="9144000"/>
@@ -3036,41 +3040,130 @@
           <a:chExt cx="0" cy="0"/>
         </a:xfrm>
       </p:grpSpPr>
-      <p:sp>
-        <p:nvSpPr>
-          <p:cNvPr id="2" name="Title 1"/>
-          <p:cNvSpPr>
-            <a:spLocks noGrp="1"/>
-          </p:cNvSpPr>
-          <p:nvPr>
-            <p:ph type="ctrTitle"/>
-          </p:nvPr>
-        </p:nvSpPr>
-        <p:spPr/>
-        <p:txBody>
-          <a:bodyPr/>
-          <a:lstStyle/>
-          <a:p>
-            <a:endParaRPr lang="en-US"/>
-          </a:p>
-        </p:txBody>
-      </p:sp>
-      <p:sp>
-        <p:nvSpPr>
-          <p:cNvPr id="3" name="Subtitle 2"/>
-          <p:cNvSpPr>
-            <a:spLocks noGrp="1"/>
-          </p:cNvSpPr>
-          <p:nvPr>
-            <p:ph type="subTitle" idx="1"/>
-          </p:nvPr>
-        </p:nvSpPr>
-        <p:spPr/>
-        <p:txBody>
-          <a:bodyPr/>
-          <a:lstStyle/>
-          <a:p>
-            <a:endParaRPr lang="en-US"/>
+      <p:pic>
+        <p:nvPicPr>
+          <p:cNvPr id="4" name="Picture 3" descr="blue-background.png"/>
+          <p:cNvPicPr>
+            <a:picLocks noChangeAspect="1"/>
+          </p:cNvPicPr>
+          <p:nvPr/>
+        </p:nvPicPr>
+        <p:blipFill>
+          <a:blip r:embed="rId2"/>
+          <a:stretch>
+            <a:fillRect/>
+          </a:stretch>
+        </p:blipFill>
+        <p:spPr>
+          <a:xfrm>
+            <a:off x="0" y="-1"/>
+            <a:ext cx="9305636" cy="6996545"/>
+          </a:xfrm>
+          <a:prstGeom prst="rect">
+            <a:avLst/>
+          </a:prstGeom>
+        </p:spPr>
+      </p:pic>
+      <p:sp>
+        <p:nvSpPr>
+          <p:cNvPr id="5" name="Rectangle 4"/>
+          <p:cNvSpPr/>
+          <p:nvPr/>
+        </p:nvSpPr>
+        <p:spPr>
+          <a:xfrm>
+            <a:off x="0" y="1720273"/>
+            <a:ext cx="9305636" cy="2043545"/>
+          </a:xfrm>
+          <a:prstGeom prst="rect">
+            <a:avLst/>
+          </a:prstGeom>
+          <a:solidFill>
+            <a:schemeClr val="bg1"/>
+          </a:solidFill>
+          <a:ln>
+            <a:noFill/>
+          </a:ln>
+          <a:effectLst/>
+        </p:spPr>
+        <p:style>
+          <a:lnRef idx="1">
+            <a:schemeClr val="accent1"/>
+          </a:lnRef>
+          <a:fillRef idx="3">
+            <a:schemeClr val="accent1"/>
+          </a:fillRef>
+          <a:effectRef idx="2">
+            <a:schemeClr val="accent1"/>
+          </a:effectRef>
+          <a:fontRef idx="minor">
+            <a:schemeClr val="lt1"/>
+          </a:fontRef>
+        </p:style>
+        <p:txBody>
+          <a:bodyPr rtlCol="0" anchor="ctr"/>
+          <a:lstStyle/>
+          <a:p>
+            <a:pPr algn="ctr"/>
+            <a:endParaRPr lang="en-US"/>
+          </a:p>
+        </p:txBody>
+      </p:sp>
+      <p:sp>
+        <p:nvSpPr>
+          <p:cNvPr id="3" name="TextBox 2"/>
+          <p:cNvSpPr txBox="1"/>
+          <p:nvPr/>
+        </p:nvSpPr>
+        <p:spPr>
+          <a:xfrm>
+            <a:off x="0" y="2135909"/>
+            <a:ext cx="9144000" cy="1200329"/>
+          </a:xfrm>
+          <a:prstGeom prst="rect">
+            <a:avLst/>
+          </a:prstGeom>
+          <a:noFill/>
+        </p:spPr>
+        <p:txBody>
+          <a:bodyPr wrap="square" rtlCol="0">
+            <a:spAutoFit/>
+          </a:bodyPr>
+          <a:lstStyle/>
+          <a:p>
+            <a:pPr algn="ctr"/>
+            <a:r>
+              <a:rPr lang="en-US" sz="3600" dirty="0" smtClean="0">
+                <a:latin typeface="Avenir Black"/>
+                <a:cs typeface="Avenir Black"/>
+              </a:rPr>
+              <a:t>How can we</a:t>
+            </a:r>
+            <a:r>
+              <a:rPr lang="en-US" sz="3600" dirty="0" smtClean="0">
+                <a:latin typeface="Avenir Black"/>
+                <a:cs typeface="Avenir Black"/>
+              </a:rPr>
+              <a:t> help reduce electrical consumption in </a:t>
+            </a:r>
+            <a:r>
+              <a:rPr lang="en-US" sz="3600" dirty="0" smtClean="0">
+                <a:latin typeface="Avenir Black"/>
+                <a:cs typeface="Avenir Black"/>
+              </a:rPr>
+              <a:t>buildings</a:t>
+            </a:r>
+            <a:r>
+              <a:rPr lang="en-US" sz="3600" dirty="0" smtClean="0">
+                <a:latin typeface="Avenir Black"/>
+                <a:cs typeface="Avenir Black"/>
+              </a:rPr>
+              <a:t>?</a:t>
+            </a:r>
+            <a:endParaRPr lang="en-US" sz="3600" dirty="0">
+              <a:latin typeface="Avenir Black"/>
+              <a:cs typeface="Avenir Black"/>
+            </a:endParaRPr>
           </a:p>
         </p:txBody>
       </p:sp>
@@ -3099,30 +3192,6 @@
           <a:chExt cx="0" cy="0"/>
         </a:xfrm>
       </p:grpSpPr>
-      <p:pic>
-        <p:nvPicPr>
-          <p:cNvPr id="4" name="Picture 3" descr="blue-background.png"/>
-          <p:cNvPicPr>
-            <a:picLocks noChangeAspect="1"/>
-          </p:cNvPicPr>
-          <p:nvPr/>
-        </p:nvPicPr>
-        <p:blipFill>
-          <a:blip r:embed="rId2"/>
-          <a:stretch>
-            <a:fillRect/>
-          </a:stretch>
-        </p:blipFill>
-        <p:spPr>
-          <a:xfrm>
-            <a:off x="0" y="-1"/>
-            <a:ext cx="9305636" cy="6996545"/>
-          </a:xfrm>
-          <a:prstGeom prst="rect">
-            <a:avLst/>
-          </a:prstGeom>
-        </p:spPr>
-      </p:pic>
       <p:sp>
         <p:nvSpPr>
           <p:cNvPr id="5" name="Rectangle 4"/>
@@ -3132,7 +3201,7 @@
         <p:spPr>
           <a:xfrm>
             <a:off x="0" y="1720273"/>
-            <a:ext cx="9305636" cy="2043545"/>
+            <a:ext cx="9144000" cy="2043545"/>
           </a:xfrm>
           <a:prstGeom prst="rect">
             <a:avLst/>
@@ -3196,50 +3265,1441 @@
                 <a:latin typeface="Avenir Black"/>
                 <a:cs typeface="Avenir Black"/>
               </a:rPr>
-              <a:t>How can we</a:t>
+              <a:t>We </a:t>
             </a:r>
             <a:r>
               <a:rPr lang="en-US" sz="3600" dirty="0" smtClean="0">
                 <a:latin typeface="Avenir Black"/>
                 <a:cs typeface="Avenir Black"/>
               </a:rPr>
-              <a:t> help </a:t>
-            </a:r>
+              <a:t>involve the people that work inside </a:t>
+            </a:r>
+          </a:p>
+          <a:p>
+            <a:pPr algn="ctr"/>
             <a:r>
               <a:rPr lang="en-US" sz="3600" dirty="0" smtClean="0">
                 <a:latin typeface="Avenir Black"/>
                 <a:cs typeface="Avenir Black"/>
               </a:rPr>
-              <a:t>employees</a:t>
-            </a:r>
-            <a:r>
-              <a:rPr lang="en-US" sz="3600" dirty="0" smtClean="0">
-                <a:latin typeface="Avenir Black"/>
-                <a:cs typeface="Avenir Black"/>
-              </a:rPr>
-              <a:t> </a:t>
-            </a:r>
-          </a:p>
-          <a:p>
-            <a:pPr algn="ctr"/>
-            <a:r>
-              <a:rPr lang="en-US" sz="3600" dirty="0" smtClean="0">
-                <a:latin typeface="Avenir Black"/>
-                <a:cs typeface="Avenir Black"/>
-              </a:rPr>
-              <a:t>reduce </a:t>
-            </a:r>
-            <a:r>
-              <a:rPr lang="en-US" sz="3600" dirty="0" smtClean="0">
-                <a:latin typeface="Avenir Black"/>
-                <a:cs typeface="Avenir Black"/>
-              </a:rPr>
-              <a:t>consumption?</a:t>
+              <a:t>them 8 hours a day</a:t>
             </a:r>
             <a:endParaRPr lang="en-US" sz="3600" dirty="0">
               <a:latin typeface="Avenir Black"/>
               <a:cs typeface="Avenir Black"/>
             </a:endParaRPr>
+          </a:p>
+        </p:txBody>
+      </p:sp>
+    </p:spTree>
+  </p:cSld>
+  <p:clrMapOvr>
+    <a:masterClrMapping/>
+  </p:clrMapOvr>
+</p:sld>
+</file>
+
+<file path=ppt/slides/slide3.xml><?xml version="1.0" encoding="utf-8"?>
+<p:sld xmlns:a="http://schemas.openxmlformats.org/drawingml/2006/main" xmlns:r="http://schemas.openxmlformats.org/officeDocument/2006/relationships" xmlns:mc="http://schemas.openxmlformats.org/markup-compatibility/2006" xmlns:mv="urn:schemas-microsoft-com:mac:vml" xmlns:p="http://schemas.openxmlformats.org/presentationml/2006/main" mc:Ignorable="mv" mc:PreserveAttributes="mv:*">
+  <p:cSld>
+    <p:spTree>
+      <p:nvGrpSpPr>
+        <p:cNvPr id="1" name=""/>
+        <p:cNvGrpSpPr/>
+        <p:nvPr/>
+      </p:nvGrpSpPr>
+      <p:grpSpPr>
+        <a:xfrm>
+          <a:off x="0" y="0"/>
+          <a:ext cx="0" cy="0"/>
+          <a:chOff x="0" y="0"/>
+          <a:chExt cx="0" cy="0"/>
+        </a:xfrm>
+      </p:grpSpPr>
+      <p:pic>
+        <p:nvPicPr>
+          <p:cNvPr id="4" name="Picture 3" descr="noun_32547_cc.png"/>
+          <p:cNvPicPr>
+            <a:picLocks noChangeAspect="1"/>
+          </p:cNvPicPr>
+          <p:nvPr/>
+        </p:nvPicPr>
+        <p:blipFill>
+          <a:blip r:embed="rId2"/>
+          <a:srcRect l="27006" r="27050" b="15265"/>
+          <a:stretch>
+            <a:fillRect/>
+          </a:stretch>
+        </p:blipFill>
+        <p:spPr>
+          <a:xfrm>
+            <a:off x="5115608" y="707761"/>
+            <a:ext cx="2623696" cy="4838902"/>
+          </a:xfrm>
+          <a:prstGeom prst="rect">
+            <a:avLst/>
+          </a:prstGeom>
+        </p:spPr>
+      </p:pic>
+      <p:sp>
+        <p:nvSpPr>
+          <p:cNvPr id="6" name="Rectangle 5"/>
+          <p:cNvSpPr/>
+          <p:nvPr/>
+        </p:nvSpPr>
+        <p:spPr>
+          <a:xfrm>
+            <a:off x="479216" y="1105430"/>
+            <a:ext cx="4300944" cy="1569660"/>
+          </a:xfrm>
+          <a:prstGeom prst="rect">
+            <a:avLst/>
+          </a:prstGeom>
+        </p:spPr>
+        <p:txBody>
+          <a:bodyPr wrap="square">
+            <a:spAutoFit/>
+          </a:bodyPr>
+          <a:lstStyle/>
+          <a:p>
+            <a:pPr>
+              <a:spcAft>
+                <a:spcPts val="1800"/>
+              </a:spcAft>
+            </a:pPr>
+            <a:r>
+              <a:rPr lang="en-US" sz="3200" b="1" dirty="0" smtClean="0">
+                <a:latin typeface="Avenir Black"/>
+                <a:cs typeface="Avenir Black"/>
+              </a:rPr>
+              <a:t>Step 1: </a:t>
+            </a:r>
+            <a:r>
+              <a:rPr lang="en-US" sz="3200" b="1" dirty="0" smtClean="0">
+                <a:latin typeface="Avenir Light"/>
+                <a:cs typeface="Avenir Light"/>
+              </a:rPr>
+              <a:t>Anyone can register from their phone.</a:t>
+            </a:r>
+            <a:endParaRPr lang="en-US" sz="3200" b="1" dirty="0">
+              <a:latin typeface="Avenir Light"/>
+              <a:cs typeface="Avenir Light"/>
+            </a:endParaRPr>
+          </a:p>
+        </p:txBody>
+      </p:sp>
+      <p:sp>
+        <p:nvSpPr>
+          <p:cNvPr id="8" name="Rectangular Callout 7"/>
+          <p:cNvSpPr/>
+          <p:nvPr/>
+        </p:nvSpPr>
+        <p:spPr>
+          <a:xfrm>
+            <a:off x="5906311" y="1485725"/>
+            <a:ext cx="1341799" cy="681534"/>
+          </a:xfrm>
+          <a:prstGeom prst="wedgeRectCallout">
+            <a:avLst>
+              <a:gd name="adj1" fmla="val 33631"/>
+              <a:gd name="adj2" fmla="val 68424"/>
+            </a:avLst>
+          </a:prstGeom>
+          <a:solidFill>
+            <a:schemeClr val="tx2">
+              <a:lumMod val="60000"/>
+              <a:lumOff val="40000"/>
+            </a:schemeClr>
+          </a:solidFill>
+          <a:ln>
+            <a:noFill/>
+          </a:ln>
+          <a:effectLst/>
+        </p:spPr>
+        <p:style>
+          <a:lnRef idx="1">
+            <a:schemeClr val="accent1"/>
+          </a:lnRef>
+          <a:fillRef idx="3">
+            <a:schemeClr val="accent1"/>
+          </a:fillRef>
+          <a:effectRef idx="2">
+            <a:schemeClr val="accent1"/>
+          </a:effectRef>
+          <a:fontRef idx="minor">
+            <a:schemeClr val="lt1"/>
+          </a:fontRef>
+        </p:style>
+        <p:txBody>
+          <a:bodyPr rtlCol="0" anchor="ctr"/>
+          <a:lstStyle/>
+          <a:p>
+            <a:pPr algn="ctr"/>
+            <a:endParaRPr lang="en-US"/>
+          </a:p>
+        </p:txBody>
+      </p:sp>
+      <p:sp>
+        <p:nvSpPr>
+          <p:cNvPr id="10" name="Rectangle 9"/>
+          <p:cNvSpPr/>
+          <p:nvPr/>
+        </p:nvSpPr>
+        <p:spPr>
+          <a:xfrm>
+            <a:off x="5906311" y="1520928"/>
+            <a:ext cx="1341799" cy="646331"/>
+          </a:xfrm>
+          <a:prstGeom prst="rect">
+            <a:avLst/>
+          </a:prstGeom>
+        </p:spPr>
+        <p:txBody>
+          <a:bodyPr wrap="square">
+            <a:spAutoFit/>
+          </a:bodyPr>
+          <a:lstStyle/>
+          <a:p>
+            <a:r>
+              <a:rPr lang="en-US" dirty="0" smtClean="0">
+                <a:solidFill>
+                  <a:schemeClr val="bg1"/>
+                </a:solidFill>
+                <a:latin typeface="Avenir Medium"/>
+                <a:cs typeface="Avenir Medium"/>
+              </a:rPr>
+              <a:t>I</a:t>
+            </a:r>
+            <a:r>
+              <a:rPr lang="en-US" dirty="0" smtClean="0">
+                <a:solidFill>
+                  <a:schemeClr val="bg1"/>
+                </a:solidFill>
+                <a:latin typeface="Avenir Medium"/>
+                <a:cs typeface="Avenir Medium"/>
+              </a:rPr>
+              <a:t>’m in </a:t>
+            </a:r>
+            <a:r>
+              <a:rPr lang="en-US" dirty="0" smtClean="0">
+                <a:solidFill>
+                  <a:schemeClr val="bg1"/>
+                </a:solidFill>
+                <a:latin typeface="Avenir Medium"/>
+                <a:cs typeface="Avenir Medium"/>
+              </a:rPr>
+              <a:t>bldg 127983</a:t>
+            </a:r>
+            <a:endParaRPr lang="en-US" dirty="0">
+              <a:solidFill>
+                <a:schemeClr val="bg1"/>
+              </a:solidFill>
+              <a:latin typeface="Avenir Medium"/>
+              <a:cs typeface="Avenir Medium"/>
+            </a:endParaRPr>
+          </a:p>
+        </p:txBody>
+      </p:sp>
+      <p:sp>
+        <p:nvSpPr>
+          <p:cNvPr id="11" name="Rectangular Callout 10"/>
+          <p:cNvSpPr/>
+          <p:nvPr/>
+        </p:nvSpPr>
+        <p:spPr>
+          <a:xfrm>
+            <a:off x="5534920" y="2459093"/>
+            <a:ext cx="1713190" cy="944789"/>
+          </a:xfrm>
+          <a:prstGeom prst="wedgeRectCallout">
+            <a:avLst>
+              <a:gd name="adj1" fmla="val -26190"/>
+              <a:gd name="adj2" fmla="val 61946"/>
+            </a:avLst>
+          </a:prstGeom>
+          <a:solidFill>
+            <a:schemeClr val="bg1">
+              <a:lumMod val="50000"/>
+            </a:schemeClr>
+          </a:solidFill>
+          <a:ln>
+            <a:noFill/>
+          </a:ln>
+          <a:effectLst/>
+        </p:spPr>
+        <p:style>
+          <a:lnRef idx="1">
+            <a:schemeClr val="accent1"/>
+          </a:lnRef>
+          <a:fillRef idx="3">
+            <a:schemeClr val="accent1"/>
+          </a:fillRef>
+          <a:effectRef idx="2">
+            <a:schemeClr val="accent1"/>
+          </a:effectRef>
+          <a:fontRef idx="minor">
+            <a:schemeClr val="lt1"/>
+          </a:fontRef>
+        </p:style>
+        <p:txBody>
+          <a:bodyPr rtlCol="0" anchor="ctr"/>
+          <a:lstStyle/>
+          <a:p>
+            <a:pPr algn="ctr"/>
+            <a:endParaRPr lang="en-US"/>
+          </a:p>
+        </p:txBody>
+      </p:sp>
+      <p:sp>
+        <p:nvSpPr>
+          <p:cNvPr id="12" name="Rectangle 11"/>
+          <p:cNvSpPr/>
+          <p:nvPr/>
+        </p:nvSpPr>
+        <p:spPr>
+          <a:xfrm>
+            <a:off x="5534920" y="2480552"/>
+            <a:ext cx="1713190" cy="923330"/>
+          </a:xfrm>
+          <a:prstGeom prst="rect">
+            <a:avLst/>
+          </a:prstGeom>
+        </p:spPr>
+        <p:txBody>
+          <a:bodyPr wrap="square">
+            <a:spAutoFit/>
+          </a:bodyPr>
+          <a:lstStyle/>
+          <a:p>
+            <a:r>
+              <a:rPr lang="en-US" dirty="0" smtClean="0">
+                <a:solidFill>
+                  <a:schemeClr val="bg1"/>
+                </a:solidFill>
+                <a:latin typeface="Avenir Medium"/>
+                <a:cs typeface="Avenir Medium"/>
+              </a:rPr>
+              <a:t>Thx for registering.  You are all set!</a:t>
+            </a:r>
+            <a:endParaRPr lang="en-US" dirty="0">
+              <a:solidFill>
+                <a:schemeClr val="bg1"/>
+              </a:solidFill>
+              <a:latin typeface="Avenir Medium"/>
+              <a:cs typeface="Avenir Medium"/>
+            </a:endParaRPr>
+          </a:p>
+        </p:txBody>
+      </p:sp>
+    </p:spTree>
+  </p:cSld>
+  <p:clrMapOvr>
+    <a:masterClrMapping/>
+  </p:clrMapOvr>
+</p:sld>
+</file>
+
+<file path=ppt/slides/slide4.xml><?xml version="1.0" encoding="utf-8"?>
+<p:sld xmlns:a="http://schemas.openxmlformats.org/drawingml/2006/main" xmlns:r="http://schemas.openxmlformats.org/officeDocument/2006/relationships" xmlns:mc="http://schemas.openxmlformats.org/markup-compatibility/2006" xmlns:mv="urn:schemas-microsoft-com:mac:vml" xmlns:p="http://schemas.openxmlformats.org/presentationml/2006/main" mc:Ignorable="mv" mc:PreserveAttributes="mv:*">
+  <p:cSld>
+    <p:spTree>
+      <p:nvGrpSpPr>
+        <p:cNvPr id="1" name=""/>
+        <p:cNvGrpSpPr/>
+        <p:nvPr/>
+      </p:nvGrpSpPr>
+      <p:grpSpPr>
+        <a:xfrm>
+          <a:off x="0" y="0"/>
+          <a:ext cx="0" cy="0"/>
+          <a:chOff x="0" y="0"/>
+          <a:chExt cx="0" cy="0"/>
+        </a:xfrm>
+      </p:grpSpPr>
+      <p:pic>
+        <p:nvPicPr>
+          <p:cNvPr id="4" name="Picture 3" descr="noun_32547_cc.png"/>
+          <p:cNvPicPr>
+            <a:picLocks noChangeAspect="1"/>
+          </p:cNvPicPr>
+          <p:nvPr/>
+        </p:nvPicPr>
+        <p:blipFill>
+          <a:blip r:embed="rId2"/>
+          <a:srcRect l="27006" r="27050" b="15265"/>
+          <a:stretch>
+            <a:fillRect/>
+          </a:stretch>
+        </p:blipFill>
+        <p:spPr>
+          <a:xfrm>
+            <a:off x="5115608" y="707761"/>
+            <a:ext cx="2623696" cy="4838902"/>
+          </a:xfrm>
+          <a:prstGeom prst="rect">
+            <a:avLst/>
+          </a:prstGeom>
+        </p:spPr>
+      </p:pic>
+      <p:sp>
+        <p:nvSpPr>
+          <p:cNvPr id="6" name="Rectangle 5"/>
+          <p:cNvSpPr/>
+          <p:nvPr/>
+        </p:nvSpPr>
+        <p:spPr>
+          <a:xfrm>
+            <a:off x="479216" y="1105430"/>
+            <a:ext cx="4300944" cy="2062103"/>
+          </a:xfrm>
+          <a:prstGeom prst="rect">
+            <a:avLst/>
+          </a:prstGeom>
+        </p:spPr>
+        <p:txBody>
+          <a:bodyPr wrap="square">
+            <a:spAutoFit/>
+          </a:bodyPr>
+          <a:lstStyle/>
+          <a:p>
+            <a:pPr>
+              <a:spcAft>
+                <a:spcPts val="1800"/>
+              </a:spcAft>
+            </a:pPr>
+            <a:r>
+              <a:rPr lang="en-US" sz="3200" b="1" dirty="0" smtClean="0">
+                <a:latin typeface="Avenir Black"/>
+                <a:cs typeface="Avenir Black"/>
+              </a:rPr>
+              <a:t>Step 2: </a:t>
+            </a:r>
+            <a:r>
+              <a:rPr lang="en-US" sz="3200" b="1" dirty="0" smtClean="0">
+                <a:latin typeface="Avenir Light"/>
+                <a:cs typeface="Avenir Light"/>
+              </a:rPr>
+              <a:t>Employees get a weekly update of their electricity consumption</a:t>
+            </a:r>
+            <a:endParaRPr lang="en-US" sz="3200" b="1" dirty="0">
+              <a:latin typeface="Avenir Light"/>
+              <a:cs typeface="Avenir Light"/>
+            </a:endParaRPr>
+          </a:p>
+        </p:txBody>
+      </p:sp>
+      <p:sp>
+        <p:nvSpPr>
+          <p:cNvPr id="11" name="Rectangular Callout 10"/>
+          <p:cNvSpPr/>
+          <p:nvPr/>
+        </p:nvSpPr>
+        <p:spPr>
+          <a:xfrm>
+            <a:off x="5534920" y="1488550"/>
+            <a:ext cx="1713190" cy="1323439"/>
+          </a:xfrm>
+          <a:prstGeom prst="wedgeRectCallout">
+            <a:avLst>
+              <a:gd name="adj1" fmla="val -26190"/>
+              <a:gd name="adj2" fmla="val 61946"/>
+            </a:avLst>
+          </a:prstGeom>
+          <a:solidFill>
+            <a:schemeClr val="bg1">
+              <a:lumMod val="50000"/>
+            </a:schemeClr>
+          </a:solidFill>
+          <a:ln>
+            <a:noFill/>
+          </a:ln>
+          <a:effectLst/>
+        </p:spPr>
+        <p:style>
+          <a:lnRef idx="1">
+            <a:schemeClr val="accent1"/>
+          </a:lnRef>
+          <a:fillRef idx="3">
+            <a:schemeClr val="accent1"/>
+          </a:fillRef>
+          <a:effectRef idx="2">
+            <a:schemeClr val="accent1"/>
+          </a:effectRef>
+          <a:fontRef idx="minor">
+            <a:schemeClr val="lt1"/>
+          </a:fontRef>
+        </p:style>
+        <p:txBody>
+          <a:bodyPr rtlCol="0" anchor="ctr"/>
+          <a:lstStyle/>
+          <a:p>
+            <a:pPr algn="ctr"/>
+            <a:endParaRPr lang="en-US"/>
+          </a:p>
+        </p:txBody>
+      </p:sp>
+      <p:sp>
+        <p:nvSpPr>
+          <p:cNvPr id="12" name="Rectangle 11"/>
+          <p:cNvSpPr/>
+          <p:nvPr/>
+        </p:nvSpPr>
+        <p:spPr>
+          <a:xfrm>
+            <a:off x="5510959" y="1488550"/>
+            <a:ext cx="1737151" cy="1323439"/>
+          </a:xfrm>
+          <a:prstGeom prst="rect">
+            <a:avLst/>
+          </a:prstGeom>
+        </p:spPr>
+        <p:txBody>
+          <a:bodyPr wrap="square">
+            <a:spAutoFit/>
+          </a:bodyPr>
+          <a:lstStyle/>
+          <a:p>
+            <a:r>
+              <a:rPr lang="en-US" sz="1600" dirty="0" smtClean="0">
+                <a:solidFill>
+                  <a:schemeClr val="bg1"/>
+                </a:solidFill>
+                <a:latin typeface="Avenir Medium"/>
+                <a:cs typeface="Avenir Medium"/>
+              </a:rPr>
+              <a:t>Your bldg consumed 4.5 </a:t>
+            </a:r>
+            <a:r>
+              <a:rPr lang="en-US" sz="1600" dirty="0" err="1" smtClean="0">
+                <a:solidFill>
+                  <a:schemeClr val="bg1"/>
+                </a:solidFill>
+                <a:latin typeface="Avenir Medium"/>
+                <a:cs typeface="Avenir Medium"/>
+              </a:rPr>
+              <a:t>MWh</a:t>
+            </a:r>
+            <a:r>
+              <a:rPr lang="en-US" sz="1600" dirty="0" smtClean="0">
+                <a:solidFill>
+                  <a:schemeClr val="bg1"/>
+                </a:solidFill>
+                <a:latin typeface="Avenir Medium"/>
+                <a:cs typeface="Avenir Medium"/>
+              </a:rPr>
+              <a:t> of electricity this week.</a:t>
+            </a:r>
+            <a:endParaRPr lang="en-US" sz="1600" dirty="0">
+              <a:solidFill>
+                <a:schemeClr val="bg1"/>
+              </a:solidFill>
+              <a:latin typeface="Avenir Medium"/>
+              <a:cs typeface="Avenir Medium"/>
+            </a:endParaRPr>
+          </a:p>
+        </p:txBody>
+      </p:sp>
+      <p:sp>
+        <p:nvSpPr>
+          <p:cNvPr id="13" name="Rectangular Callout 12"/>
+          <p:cNvSpPr/>
+          <p:nvPr/>
+        </p:nvSpPr>
+        <p:spPr>
+          <a:xfrm>
+            <a:off x="5534920" y="2998255"/>
+            <a:ext cx="1713190" cy="1149110"/>
+          </a:xfrm>
+          <a:prstGeom prst="wedgeRectCallout">
+            <a:avLst>
+              <a:gd name="adj1" fmla="val -26190"/>
+              <a:gd name="adj2" fmla="val 61946"/>
+            </a:avLst>
+          </a:prstGeom>
+          <a:solidFill>
+            <a:schemeClr val="bg1">
+              <a:lumMod val="50000"/>
+            </a:schemeClr>
+          </a:solidFill>
+          <a:ln>
+            <a:noFill/>
+          </a:ln>
+          <a:effectLst/>
+        </p:spPr>
+        <p:style>
+          <a:lnRef idx="1">
+            <a:schemeClr val="accent1"/>
+          </a:lnRef>
+          <a:fillRef idx="3">
+            <a:schemeClr val="accent1"/>
+          </a:fillRef>
+          <a:effectRef idx="2">
+            <a:schemeClr val="accent1"/>
+          </a:effectRef>
+          <a:fontRef idx="minor">
+            <a:schemeClr val="lt1"/>
+          </a:fontRef>
+        </p:style>
+        <p:txBody>
+          <a:bodyPr rtlCol="0" anchor="ctr"/>
+          <a:lstStyle/>
+          <a:p>
+            <a:pPr algn="ctr"/>
+            <a:endParaRPr lang="en-US"/>
+          </a:p>
+        </p:txBody>
+      </p:sp>
+      <p:sp>
+        <p:nvSpPr>
+          <p:cNvPr id="9" name="Rectangle 8"/>
+          <p:cNvSpPr/>
+          <p:nvPr/>
+        </p:nvSpPr>
+        <p:spPr>
+          <a:xfrm>
+            <a:off x="5510959" y="2998255"/>
+            <a:ext cx="1737151" cy="1077218"/>
+          </a:xfrm>
+          <a:prstGeom prst="rect">
+            <a:avLst/>
+          </a:prstGeom>
+        </p:spPr>
+        <p:txBody>
+          <a:bodyPr wrap="square">
+            <a:spAutoFit/>
+          </a:bodyPr>
+          <a:lstStyle/>
+          <a:p>
+            <a:r>
+              <a:rPr lang="en-US" sz="1600" dirty="0" smtClean="0">
+                <a:solidFill>
+                  <a:schemeClr val="bg1"/>
+                </a:solidFill>
+                <a:latin typeface="Avenir Medium"/>
+                <a:cs typeface="Avenir Medium"/>
+              </a:rPr>
+              <a:t>Good job! That is 10% better than the same week last year</a:t>
+            </a:r>
+            <a:endParaRPr lang="en-US" sz="1600" dirty="0">
+              <a:solidFill>
+                <a:schemeClr val="bg1"/>
+              </a:solidFill>
+              <a:latin typeface="Avenir Medium"/>
+              <a:cs typeface="Avenir Medium"/>
+            </a:endParaRPr>
+          </a:p>
+        </p:txBody>
+      </p:sp>
+    </p:spTree>
+  </p:cSld>
+  <p:clrMapOvr>
+    <a:masterClrMapping/>
+  </p:clrMapOvr>
+</p:sld>
+</file>
+
+<file path=ppt/slides/slide5.xml><?xml version="1.0" encoding="utf-8"?>
+<p:sld xmlns:a="http://schemas.openxmlformats.org/drawingml/2006/main" xmlns:r="http://schemas.openxmlformats.org/officeDocument/2006/relationships" xmlns:mc="http://schemas.openxmlformats.org/markup-compatibility/2006" xmlns:mv="urn:schemas-microsoft-com:mac:vml" xmlns:p="http://schemas.openxmlformats.org/presentationml/2006/main" mc:Ignorable="mv" mc:PreserveAttributes="mv:*">
+  <p:cSld>
+    <p:spTree>
+      <p:nvGrpSpPr>
+        <p:cNvPr id="1" name=""/>
+        <p:cNvGrpSpPr/>
+        <p:nvPr/>
+      </p:nvGrpSpPr>
+      <p:grpSpPr>
+        <a:xfrm>
+          <a:off x="0" y="0"/>
+          <a:ext cx="0" cy="0"/>
+          <a:chOff x="0" y="0"/>
+          <a:chExt cx="0" cy="0"/>
+        </a:xfrm>
+      </p:grpSpPr>
+      <p:pic>
+        <p:nvPicPr>
+          <p:cNvPr id="4" name="Picture 3" descr="noun_32547_cc.png"/>
+          <p:cNvPicPr>
+            <a:picLocks noChangeAspect="1"/>
+          </p:cNvPicPr>
+          <p:nvPr/>
+        </p:nvPicPr>
+        <p:blipFill>
+          <a:blip r:embed="rId2"/>
+          <a:srcRect l="27006" r="27050" b="15265"/>
+          <a:stretch>
+            <a:fillRect/>
+          </a:stretch>
+        </p:blipFill>
+        <p:spPr>
+          <a:xfrm>
+            <a:off x="5115608" y="707761"/>
+            <a:ext cx="2623696" cy="4838902"/>
+          </a:xfrm>
+          <a:prstGeom prst="rect">
+            <a:avLst/>
+          </a:prstGeom>
+        </p:spPr>
+      </p:pic>
+      <p:sp>
+        <p:nvSpPr>
+          <p:cNvPr id="6" name="Rectangle 5"/>
+          <p:cNvSpPr/>
+          <p:nvPr/>
+        </p:nvSpPr>
+        <p:spPr>
+          <a:xfrm>
+            <a:off x="479216" y="1105430"/>
+            <a:ext cx="4300944" cy="1569660"/>
+          </a:xfrm>
+          <a:prstGeom prst="rect">
+            <a:avLst/>
+          </a:prstGeom>
+        </p:spPr>
+        <p:txBody>
+          <a:bodyPr wrap="square">
+            <a:spAutoFit/>
+          </a:bodyPr>
+          <a:lstStyle/>
+          <a:p>
+            <a:pPr>
+              <a:spcAft>
+                <a:spcPts val="1800"/>
+              </a:spcAft>
+            </a:pPr>
+            <a:r>
+              <a:rPr lang="en-US" sz="3200" b="1" dirty="0" smtClean="0">
+                <a:latin typeface="Avenir Black"/>
+                <a:cs typeface="Avenir Black"/>
+              </a:rPr>
+              <a:t>Step 3: </a:t>
+            </a:r>
+            <a:r>
+              <a:rPr lang="en-US" sz="3200" b="1" dirty="0" smtClean="0">
+                <a:latin typeface="Avenir Light"/>
+                <a:cs typeface="Avenir Light"/>
+              </a:rPr>
+              <a:t>Nudge employees to improve their ranking</a:t>
+            </a:r>
+            <a:endParaRPr lang="en-US" sz="3200" b="1" dirty="0">
+              <a:latin typeface="Avenir Light"/>
+              <a:cs typeface="Avenir Light"/>
+            </a:endParaRPr>
+          </a:p>
+        </p:txBody>
+      </p:sp>
+      <p:sp>
+        <p:nvSpPr>
+          <p:cNvPr id="11" name="Rectangular Callout 10"/>
+          <p:cNvSpPr/>
+          <p:nvPr/>
+        </p:nvSpPr>
+        <p:spPr>
+          <a:xfrm>
+            <a:off x="5534920" y="1488550"/>
+            <a:ext cx="1713190" cy="1323439"/>
+          </a:xfrm>
+          <a:prstGeom prst="wedgeRectCallout">
+            <a:avLst>
+              <a:gd name="adj1" fmla="val -26190"/>
+              <a:gd name="adj2" fmla="val 61946"/>
+            </a:avLst>
+          </a:prstGeom>
+          <a:solidFill>
+            <a:schemeClr val="bg1">
+              <a:lumMod val="50000"/>
+            </a:schemeClr>
+          </a:solidFill>
+          <a:ln>
+            <a:noFill/>
+          </a:ln>
+          <a:effectLst/>
+        </p:spPr>
+        <p:style>
+          <a:lnRef idx="1">
+            <a:schemeClr val="accent1"/>
+          </a:lnRef>
+          <a:fillRef idx="3">
+            <a:schemeClr val="accent1"/>
+          </a:fillRef>
+          <a:effectRef idx="2">
+            <a:schemeClr val="accent1"/>
+          </a:effectRef>
+          <a:fontRef idx="minor">
+            <a:schemeClr val="lt1"/>
+          </a:fontRef>
+        </p:style>
+        <p:txBody>
+          <a:bodyPr rtlCol="0" anchor="ctr"/>
+          <a:lstStyle/>
+          <a:p>
+            <a:pPr algn="ctr"/>
+            <a:endParaRPr lang="en-US"/>
+          </a:p>
+        </p:txBody>
+      </p:sp>
+      <p:sp>
+        <p:nvSpPr>
+          <p:cNvPr id="12" name="Rectangle 11"/>
+          <p:cNvSpPr/>
+          <p:nvPr/>
+        </p:nvSpPr>
+        <p:spPr>
+          <a:xfrm>
+            <a:off x="5510959" y="1488550"/>
+            <a:ext cx="1737151" cy="1323439"/>
+          </a:xfrm>
+          <a:prstGeom prst="rect">
+            <a:avLst/>
+          </a:prstGeom>
+        </p:spPr>
+        <p:txBody>
+          <a:bodyPr wrap="square">
+            <a:spAutoFit/>
+          </a:bodyPr>
+          <a:lstStyle/>
+          <a:p>
+            <a:r>
+              <a:rPr lang="en-US" sz="1600" dirty="0" smtClean="0">
+                <a:solidFill>
+                  <a:schemeClr val="bg1"/>
+                </a:solidFill>
+                <a:latin typeface="Avenir Medium"/>
+                <a:cs typeface="Avenir Medium"/>
+              </a:rPr>
+              <a:t>We</a:t>
+            </a:r>
+            <a:r>
+              <a:rPr lang="en-US" sz="1600" dirty="0" smtClean="0">
+                <a:solidFill>
+                  <a:schemeClr val="bg1"/>
+                </a:solidFill>
+                <a:latin typeface="Avenir Medium"/>
+                <a:cs typeface="Avenir Medium"/>
+              </a:rPr>
+              <a:t>’re shooting for 15% this week.  Remember to turn off lights!</a:t>
+            </a:r>
+            <a:endParaRPr lang="en-US" sz="1600" dirty="0">
+              <a:solidFill>
+                <a:schemeClr val="bg1"/>
+              </a:solidFill>
+              <a:latin typeface="Avenir Medium"/>
+              <a:cs typeface="Avenir Medium"/>
+            </a:endParaRPr>
+          </a:p>
+        </p:txBody>
+      </p:sp>
+    </p:spTree>
+  </p:cSld>
+  <p:clrMapOvr>
+    <a:masterClrMapping/>
+  </p:clrMapOvr>
+</p:sld>
+</file>
+
+<file path=ppt/slides/slide6.xml><?xml version="1.0" encoding="utf-8"?>
+<p:sld xmlns:a="http://schemas.openxmlformats.org/drawingml/2006/main" xmlns:r="http://schemas.openxmlformats.org/officeDocument/2006/relationships" xmlns:mc="http://schemas.openxmlformats.org/markup-compatibility/2006" xmlns:mv="urn:schemas-microsoft-com:mac:vml" xmlns:p="http://schemas.openxmlformats.org/presentationml/2006/main" mc:Ignorable="mv" mc:PreserveAttributes="mv:*">
+  <p:cSld>
+    <p:spTree>
+      <p:nvGrpSpPr>
+        <p:cNvPr id="1" name=""/>
+        <p:cNvGrpSpPr/>
+        <p:nvPr/>
+      </p:nvGrpSpPr>
+      <p:grpSpPr>
+        <a:xfrm>
+          <a:off x="0" y="0"/>
+          <a:ext cx="0" cy="0"/>
+          <a:chOff x="0" y="0"/>
+          <a:chExt cx="0" cy="0"/>
+        </a:xfrm>
+      </p:grpSpPr>
+      <p:sp>
+        <p:nvSpPr>
+          <p:cNvPr id="12" name="Rectangle 11"/>
+          <p:cNvSpPr/>
+          <p:nvPr/>
+        </p:nvSpPr>
+        <p:spPr>
+          <a:xfrm>
+            <a:off x="4875970" y="1895938"/>
+            <a:ext cx="1737151" cy="1323439"/>
+          </a:xfrm>
+          <a:prstGeom prst="rect">
+            <a:avLst/>
+          </a:prstGeom>
+        </p:spPr>
+        <p:txBody>
+          <a:bodyPr wrap="square">
+            <a:spAutoFit/>
+          </a:bodyPr>
+          <a:lstStyle/>
+          <a:p>
+            <a:r>
+              <a:rPr lang="en-US" sz="1600" b="1" dirty="0" smtClean="0">
+                <a:solidFill>
+                  <a:schemeClr val="bg1"/>
+                </a:solidFill>
+                <a:latin typeface="Avenir Black"/>
+                <a:cs typeface="Avenir Black"/>
+              </a:rPr>
+              <a:t>Let</a:t>
+            </a:r>
+            <a:r>
+              <a:rPr lang="en-US" sz="1600" b="1" dirty="0" smtClean="0">
+                <a:solidFill>
+                  <a:schemeClr val="bg1"/>
+                </a:solidFill>
+                <a:latin typeface="Avenir Black"/>
+                <a:cs typeface="Avenir Black"/>
+              </a:rPr>
+              <a:t>’s get to number 1: remember to turn off lights around you.</a:t>
+            </a:r>
+            <a:endParaRPr lang="en-US" sz="1600" dirty="0">
+              <a:solidFill>
+                <a:schemeClr val="bg1"/>
+              </a:solidFill>
+              <a:latin typeface="Avenir Black"/>
+              <a:cs typeface="Avenir Black"/>
+            </a:endParaRPr>
+          </a:p>
+        </p:txBody>
+      </p:sp>
+      <p:sp>
+        <p:nvSpPr>
+          <p:cNvPr id="7" name="Rectangle 6"/>
+          <p:cNvSpPr/>
+          <p:nvPr/>
+        </p:nvSpPr>
+        <p:spPr>
+          <a:xfrm>
+            <a:off x="2836332" y="2296227"/>
+            <a:ext cx="660400" cy="3811593"/>
+          </a:xfrm>
+          <a:prstGeom prst="rect">
+            <a:avLst/>
+          </a:prstGeom>
+          <a:solidFill>
+            <a:schemeClr val="accent2">
+              <a:lumMod val="75000"/>
+            </a:schemeClr>
+          </a:solidFill>
+          <a:ln>
+            <a:noFill/>
+          </a:ln>
+          <a:effectLst/>
+        </p:spPr>
+        <p:style>
+          <a:lnRef idx="1">
+            <a:schemeClr val="accent1"/>
+          </a:lnRef>
+          <a:fillRef idx="3">
+            <a:schemeClr val="accent1"/>
+          </a:fillRef>
+          <a:effectRef idx="2">
+            <a:schemeClr val="accent1"/>
+          </a:effectRef>
+          <a:fontRef idx="minor">
+            <a:schemeClr val="lt1"/>
+          </a:fontRef>
+        </p:style>
+        <p:txBody>
+          <a:bodyPr rtlCol="0" anchor="ctr"/>
+          <a:lstStyle/>
+          <a:p>
+            <a:pPr algn="ctr"/>
+            <a:endParaRPr lang="en-US">
+              <a:latin typeface="Avenir Book"/>
+              <a:cs typeface="Avenir Book"/>
+            </a:endParaRPr>
+          </a:p>
+        </p:txBody>
+      </p:sp>
+      <p:sp>
+        <p:nvSpPr>
+          <p:cNvPr id="8" name="TextBox 7"/>
+          <p:cNvSpPr txBox="1"/>
+          <p:nvPr/>
+        </p:nvSpPr>
+        <p:spPr>
+          <a:xfrm>
+            <a:off x="2328342" y="6215832"/>
+            <a:ext cx="1625598" cy="369332"/>
+          </a:xfrm>
+          <a:prstGeom prst="rect">
+            <a:avLst/>
+          </a:prstGeom>
+          <a:noFill/>
+        </p:spPr>
+        <p:txBody>
+          <a:bodyPr wrap="square" rtlCol="0">
+            <a:spAutoFit/>
+          </a:bodyPr>
+          <a:lstStyle/>
+          <a:p>
+            <a:pPr algn="ctr"/>
+            <a:r>
+              <a:rPr lang="en-US" dirty="0" smtClean="0">
+                <a:latin typeface="Avenir Book"/>
+                <a:cs typeface="Avenir Book"/>
+              </a:rPr>
+              <a:t>Week 1</a:t>
+            </a:r>
+            <a:endParaRPr lang="en-US" dirty="0" smtClean="0">
+              <a:latin typeface="Avenir Book"/>
+              <a:cs typeface="Avenir Book"/>
+            </a:endParaRPr>
+          </a:p>
+        </p:txBody>
+      </p:sp>
+      <p:sp>
+        <p:nvSpPr>
+          <p:cNvPr id="9" name="TextBox 8"/>
+          <p:cNvSpPr txBox="1"/>
+          <p:nvPr/>
+        </p:nvSpPr>
+        <p:spPr>
+          <a:xfrm>
+            <a:off x="2531543" y="1926895"/>
+            <a:ext cx="1303866" cy="369332"/>
+          </a:xfrm>
+          <a:prstGeom prst="rect">
+            <a:avLst/>
+          </a:prstGeom>
+          <a:noFill/>
+        </p:spPr>
+        <p:txBody>
+          <a:bodyPr wrap="square" rtlCol="0">
+            <a:spAutoFit/>
+          </a:bodyPr>
+          <a:lstStyle/>
+          <a:p>
+            <a:pPr algn="ctr"/>
+            <a:r>
+              <a:rPr lang="en-US" b="1" dirty="0" smtClean="0">
+                <a:latin typeface="Avenir Book"/>
+                <a:cs typeface="Avenir Book"/>
+              </a:rPr>
+              <a:t>4.5 </a:t>
+            </a:r>
+            <a:r>
+              <a:rPr lang="en-US" b="1" dirty="0" err="1" smtClean="0">
+                <a:latin typeface="Avenir Book"/>
+                <a:cs typeface="Avenir Book"/>
+              </a:rPr>
+              <a:t>MWh</a:t>
+            </a:r>
+            <a:endParaRPr lang="en-US" b="1" dirty="0" smtClean="0">
+              <a:latin typeface="Avenir Book"/>
+              <a:cs typeface="Avenir Book"/>
+            </a:endParaRPr>
+          </a:p>
+        </p:txBody>
+      </p:sp>
+      <p:cxnSp>
+        <p:nvCxnSpPr>
+          <p:cNvPr id="10" name="Straight Arrow Connector 9"/>
+          <p:cNvCxnSpPr/>
+          <p:nvPr/>
+        </p:nvCxnSpPr>
+        <p:spPr>
+          <a:xfrm rot="5400000" flipH="1" flipV="1">
+            <a:off x="-812179" y="3888060"/>
+            <a:ext cx="4469160" cy="1588"/>
+          </a:xfrm>
+          <a:prstGeom prst="straightConnector1">
+            <a:avLst/>
+          </a:prstGeom>
+          <a:ln>
+            <a:solidFill>
+              <a:schemeClr val="tx1"/>
+            </a:solidFill>
+            <a:tailEnd type="arrow"/>
+          </a:ln>
+          <a:effectLst/>
+        </p:spPr>
+        <p:style>
+          <a:lnRef idx="2">
+            <a:schemeClr val="accent1"/>
+          </a:lnRef>
+          <a:fillRef idx="0">
+            <a:schemeClr val="accent1"/>
+          </a:fillRef>
+          <a:effectRef idx="1">
+            <a:schemeClr val="accent1"/>
+          </a:effectRef>
+          <a:fontRef idx="minor">
+            <a:schemeClr val="tx1"/>
+          </a:fontRef>
+        </p:style>
+      </p:cxnSp>
+      <p:sp>
+        <p:nvSpPr>
+          <p:cNvPr id="13" name="TextBox 12"/>
+          <p:cNvSpPr txBox="1"/>
+          <p:nvPr/>
+        </p:nvSpPr>
+        <p:spPr>
+          <a:xfrm rot="16200000">
+            <a:off x="-379479" y="2803879"/>
+            <a:ext cx="2078170" cy="830997"/>
+          </a:xfrm>
+          <a:prstGeom prst="rect">
+            <a:avLst/>
+          </a:prstGeom>
+          <a:noFill/>
+        </p:spPr>
+        <p:txBody>
+          <a:bodyPr wrap="square" rtlCol="0">
+            <a:spAutoFit/>
+          </a:bodyPr>
+          <a:lstStyle/>
+          <a:p>
+            <a:pPr algn="ctr"/>
+            <a:r>
+              <a:rPr lang="en-US" sz="2400" dirty="0" smtClean="0">
+                <a:latin typeface="Avenir Book"/>
+                <a:cs typeface="Avenir Book"/>
+              </a:rPr>
+              <a:t>Electricity Consumption</a:t>
+            </a:r>
+          </a:p>
+        </p:txBody>
+      </p:sp>
+      <p:cxnSp>
+        <p:nvCxnSpPr>
+          <p:cNvPr id="14" name="Straight Arrow Connector 13"/>
+          <p:cNvCxnSpPr/>
+          <p:nvPr/>
+        </p:nvCxnSpPr>
+        <p:spPr>
+          <a:xfrm>
+            <a:off x="1422404" y="6122637"/>
+            <a:ext cx="6519334" cy="1"/>
+          </a:xfrm>
+          <a:prstGeom prst="straightConnector1">
+            <a:avLst/>
+          </a:prstGeom>
+          <a:ln>
+            <a:solidFill>
+              <a:schemeClr val="tx1"/>
+            </a:solidFill>
+            <a:tailEnd type="arrow"/>
+          </a:ln>
+          <a:effectLst/>
+        </p:spPr>
+        <p:style>
+          <a:lnRef idx="2">
+            <a:schemeClr val="accent1"/>
+          </a:lnRef>
+          <a:fillRef idx="0">
+            <a:schemeClr val="accent1"/>
+          </a:fillRef>
+          <a:effectRef idx="1">
+            <a:schemeClr val="accent1"/>
+          </a:effectRef>
+          <a:fontRef idx="minor">
+            <a:schemeClr val="tx1"/>
+          </a:fontRef>
+        </p:style>
+      </p:cxnSp>
+      <p:sp>
+        <p:nvSpPr>
+          <p:cNvPr id="15" name="Rectangle 14"/>
+          <p:cNvSpPr/>
+          <p:nvPr/>
+        </p:nvSpPr>
+        <p:spPr>
+          <a:xfrm>
+            <a:off x="4343399" y="2600031"/>
+            <a:ext cx="660400" cy="3507789"/>
+          </a:xfrm>
+          <a:prstGeom prst="rect">
+            <a:avLst/>
+          </a:prstGeom>
+          <a:solidFill>
+            <a:schemeClr val="accent3"/>
+          </a:solidFill>
+          <a:ln>
+            <a:noFill/>
+          </a:ln>
+          <a:effectLst/>
+        </p:spPr>
+        <p:style>
+          <a:lnRef idx="1">
+            <a:schemeClr val="accent1"/>
+          </a:lnRef>
+          <a:fillRef idx="3">
+            <a:schemeClr val="accent1"/>
+          </a:fillRef>
+          <a:effectRef idx="2">
+            <a:schemeClr val="accent1"/>
+          </a:effectRef>
+          <a:fontRef idx="minor">
+            <a:schemeClr val="lt1"/>
+          </a:fontRef>
+        </p:style>
+        <p:txBody>
+          <a:bodyPr rtlCol="0" anchor="ctr"/>
+          <a:lstStyle/>
+          <a:p>
+            <a:pPr algn="ctr"/>
+            <a:endParaRPr lang="en-US">
+              <a:latin typeface="Avenir Book"/>
+              <a:cs typeface="Avenir Book"/>
+            </a:endParaRPr>
+          </a:p>
+        </p:txBody>
+      </p:sp>
+      <p:sp>
+        <p:nvSpPr>
+          <p:cNvPr id="16" name="TextBox 15"/>
+          <p:cNvSpPr txBox="1"/>
+          <p:nvPr/>
+        </p:nvSpPr>
+        <p:spPr>
+          <a:xfrm>
+            <a:off x="3835409" y="6215832"/>
+            <a:ext cx="1625598" cy="369332"/>
+          </a:xfrm>
+          <a:prstGeom prst="rect">
+            <a:avLst/>
+          </a:prstGeom>
+          <a:noFill/>
+        </p:spPr>
+        <p:txBody>
+          <a:bodyPr wrap="square" rtlCol="0">
+            <a:spAutoFit/>
+          </a:bodyPr>
+          <a:lstStyle/>
+          <a:p>
+            <a:pPr algn="ctr"/>
+            <a:r>
+              <a:rPr lang="en-US" dirty="0" smtClean="0">
+                <a:latin typeface="Avenir Book"/>
+                <a:cs typeface="Avenir Book"/>
+              </a:rPr>
+              <a:t>Week 2</a:t>
+            </a:r>
+            <a:endParaRPr lang="en-US" dirty="0" smtClean="0">
+              <a:latin typeface="Avenir Book"/>
+              <a:cs typeface="Avenir Book"/>
+            </a:endParaRPr>
+          </a:p>
+        </p:txBody>
+      </p:sp>
+      <p:sp>
+        <p:nvSpPr>
+          <p:cNvPr id="17" name="TextBox 16"/>
+          <p:cNvSpPr txBox="1"/>
+          <p:nvPr/>
+        </p:nvSpPr>
+        <p:spPr>
+          <a:xfrm>
+            <a:off x="4038610" y="2230699"/>
+            <a:ext cx="1303866" cy="369332"/>
+          </a:xfrm>
+          <a:prstGeom prst="rect">
+            <a:avLst/>
+          </a:prstGeom>
+          <a:noFill/>
+        </p:spPr>
+        <p:txBody>
+          <a:bodyPr wrap="square" rtlCol="0">
+            <a:spAutoFit/>
+          </a:bodyPr>
+          <a:lstStyle/>
+          <a:p>
+            <a:pPr algn="ctr"/>
+            <a:r>
+              <a:rPr lang="en-US" b="1" dirty="0" smtClean="0">
+                <a:latin typeface="Avenir Book"/>
+                <a:cs typeface="Avenir Book"/>
+              </a:rPr>
+              <a:t>4 </a:t>
+            </a:r>
+            <a:r>
+              <a:rPr lang="en-US" b="1" dirty="0" err="1" smtClean="0">
+                <a:latin typeface="Avenir Book"/>
+                <a:cs typeface="Avenir Book"/>
+              </a:rPr>
+              <a:t>MWh</a:t>
+            </a:r>
+            <a:endParaRPr lang="en-US" b="1" dirty="0" smtClean="0">
+              <a:latin typeface="Avenir Book"/>
+              <a:cs typeface="Avenir Book"/>
+            </a:endParaRPr>
+          </a:p>
+        </p:txBody>
+      </p:sp>
+      <p:sp>
+        <p:nvSpPr>
+          <p:cNvPr id="18" name="Rectangle 17"/>
+          <p:cNvSpPr/>
+          <p:nvPr/>
+        </p:nvSpPr>
+        <p:spPr>
+          <a:xfrm>
+            <a:off x="5968997" y="2935517"/>
+            <a:ext cx="660400" cy="3172303"/>
+          </a:xfrm>
+          <a:prstGeom prst="rect">
+            <a:avLst/>
+          </a:prstGeom>
+          <a:solidFill>
+            <a:schemeClr val="accent3"/>
+          </a:solidFill>
+          <a:ln>
+            <a:noFill/>
+          </a:ln>
+          <a:effectLst/>
+        </p:spPr>
+        <p:style>
+          <a:lnRef idx="1">
+            <a:schemeClr val="accent1"/>
+          </a:lnRef>
+          <a:fillRef idx="3">
+            <a:schemeClr val="accent1"/>
+          </a:fillRef>
+          <a:effectRef idx="2">
+            <a:schemeClr val="accent1"/>
+          </a:effectRef>
+          <a:fontRef idx="minor">
+            <a:schemeClr val="lt1"/>
+          </a:fontRef>
+        </p:style>
+        <p:txBody>
+          <a:bodyPr rtlCol="0" anchor="ctr"/>
+          <a:lstStyle/>
+          <a:p>
+            <a:pPr algn="ctr"/>
+            <a:endParaRPr lang="en-US">
+              <a:latin typeface="Avenir Book"/>
+              <a:cs typeface="Avenir Book"/>
+            </a:endParaRPr>
+          </a:p>
+        </p:txBody>
+      </p:sp>
+      <p:sp>
+        <p:nvSpPr>
+          <p:cNvPr id="19" name="TextBox 18"/>
+          <p:cNvSpPr txBox="1"/>
+          <p:nvPr/>
+        </p:nvSpPr>
+        <p:spPr>
+          <a:xfrm>
+            <a:off x="5461007" y="6215832"/>
+            <a:ext cx="1625598" cy="369332"/>
+          </a:xfrm>
+          <a:prstGeom prst="rect">
+            <a:avLst/>
+          </a:prstGeom>
+          <a:noFill/>
+        </p:spPr>
+        <p:txBody>
+          <a:bodyPr wrap="square" rtlCol="0">
+            <a:spAutoFit/>
+          </a:bodyPr>
+          <a:lstStyle/>
+          <a:p>
+            <a:pPr algn="ctr"/>
+            <a:r>
+              <a:rPr lang="en-US" dirty="0" smtClean="0">
+                <a:latin typeface="Avenir Book"/>
+                <a:cs typeface="Avenir Book"/>
+              </a:rPr>
+              <a:t>Week 3</a:t>
+            </a:r>
+            <a:endParaRPr lang="en-US" dirty="0" smtClean="0">
+              <a:latin typeface="Avenir Book"/>
+              <a:cs typeface="Avenir Book"/>
+            </a:endParaRPr>
+          </a:p>
+        </p:txBody>
+      </p:sp>
+      <p:sp>
+        <p:nvSpPr>
+          <p:cNvPr id="20" name="TextBox 19"/>
+          <p:cNvSpPr txBox="1"/>
+          <p:nvPr/>
+        </p:nvSpPr>
+        <p:spPr>
+          <a:xfrm>
+            <a:off x="5782739" y="2566185"/>
+            <a:ext cx="1303866" cy="369332"/>
+          </a:xfrm>
+          <a:prstGeom prst="rect">
+            <a:avLst/>
+          </a:prstGeom>
+          <a:noFill/>
+        </p:spPr>
+        <p:txBody>
+          <a:bodyPr wrap="square" rtlCol="0">
+            <a:spAutoFit/>
+          </a:bodyPr>
+          <a:lstStyle/>
+          <a:p>
+            <a:pPr algn="ctr"/>
+            <a:r>
+              <a:rPr lang="en-US" b="1" dirty="0" smtClean="0">
+                <a:latin typeface="Avenir Book"/>
+                <a:cs typeface="Avenir Book"/>
+              </a:rPr>
+              <a:t>3.5 </a:t>
+            </a:r>
+            <a:r>
+              <a:rPr lang="en-US" b="1" dirty="0" err="1" smtClean="0">
+                <a:latin typeface="Avenir Book"/>
+                <a:cs typeface="Avenir Book"/>
+              </a:rPr>
+              <a:t>MWh</a:t>
+            </a:r>
+            <a:endParaRPr lang="en-US" b="1" dirty="0" smtClean="0">
+              <a:latin typeface="Avenir Book"/>
+              <a:cs typeface="Avenir Book"/>
+            </a:endParaRPr>
+          </a:p>
+        </p:txBody>
+      </p:sp>
+      <p:sp>
+        <p:nvSpPr>
+          <p:cNvPr id="23" name="Rectangle 22"/>
+          <p:cNvSpPr/>
+          <p:nvPr/>
+        </p:nvSpPr>
+        <p:spPr>
+          <a:xfrm>
+            <a:off x="59901" y="272672"/>
+            <a:ext cx="9144000" cy="584776"/>
+          </a:xfrm>
+          <a:prstGeom prst="rect">
+            <a:avLst/>
+          </a:prstGeom>
+        </p:spPr>
+        <p:txBody>
+          <a:bodyPr wrap="square">
+            <a:spAutoFit/>
+          </a:bodyPr>
+          <a:lstStyle/>
+          <a:p>
+            <a:pPr>
+              <a:spcAft>
+                <a:spcPts val="1800"/>
+              </a:spcAft>
+            </a:pPr>
+            <a:r>
+              <a:rPr lang="en-US" sz="3200" b="1" dirty="0" smtClean="0">
+                <a:latin typeface="Avenir Black"/>
+                <a:cs typeface="Avenir Black"/>
+              </a:rPr>
+              <a:t>Step 4: </a:t>
+            </a:r>
+            <a:r>
+              <a:rPr lang="en-US" sz="3200" dirty="0" smtClean="0">
+                <a:latin typeface="Avenir Medium"/>
+                <a:cs typeface="Avenir Medium"/>
+              </a:rPr>
+              <a:t>Measure real reduction in electricity use</a:t>
+            </a:r>
           </a:p>
         </p:txBody>
       </p:sp>

--- a/presentation_files/slideshare.pptx
+++ b/presentation_files/slideshare.pptx
@@ -11,6 +11,7 @@
     <p:sldId id="260" r:id="rId5"/>
     <p:sldId id="261" r:id="rId6"/>
     <p:sldId id="262" r:id="rId7"/>
+    <p:sldId id="263" r:id="rId8"/>
   </p:sldIdLst>
   <p:sldSz cx="9144000" cy="6858000" type="screen4x3"/>
   <p:notesSz cx="6858000" cy="9144000"/>
@@ -4700,6 +4701,194 @@
               </a:rPr>
               <a:t>Measure real reduction in electricity use</a:t>
             </a:r>
+          </a:p>
+        </p:txBody>
+      </p:sp>
+    </p:spTree>
+  </p:cSld>
+  <p:clrMapOvr>
+    <a:masterClrMapping/>
+  </p:clrMapOvr>
+</p:sld>
+</file>
+
+<file path=ppt/slides/slide7.xml><?xml version="1.0" encoding="utf-8"?>
+<p:sld xmlns:a="http://schemas.openxmlformats.org/drawingml/2006/main" xmlns:r="http://schemas.openxmlformats.org/officeDocument/2006/relationships" xmlns:mc="http://schemas.openxmlformats.org/markup-compatibility/2006" xmlns:mv="urn:schemas-microsoft-com:mac:vml" xmlns:p="http://schemas.openxmlformats.org/presentationml/2006/main" mc:Ignorable="mv" mc:PreserveAttributes="mv:*">
+  <p:cSld>
+    <p:spTree>
+      <p:nvGrpSpPr>
+        <p:cNvPr id="1" name=""/>
+        <p:cNvGrpSpPr/>
+        <p:nvPr/>
+      </p:nvGrpSpPr>
+      <p:grpSpPr>
+        <a:xfrm>
+          <a:off x="0" y="0"/>
+          <a:ext cx="0" cy="0"/>
+          <a:chOff x="0" y="0"/>
+          <a:chExt cx="0" cy="0"/>
+        </a:xfrm>
+      </p:grpSpPr>
+      <p:sp>
+        <p:nvSpPr>
+          <p:cNvPr id="21" name="TextBox 20"/>
+          <p:cNvSpPr txBox="1"/>
+          <p:nvPr/>
+        </p:nvSpPr>
+        <p:spPr>
+          <a:xfrm>
+            <a:off x="0" y="216660"/>
+            <a:ext cx="9144000" cy="2862322"/>
+          </a:xfrm>
+          <a:prstGeom prst="rect">
+            <a:avLst/>
+          </a:prstGeom>
+          <a:noFill/>
+        </p:spPr>
+        <p:txBody>
+          <a:bodyPr wrap="square" rtlCol="0">
+            <a:spAutoFit/>
+          </a:bodyPr>
+          <a:lstStyle/>
+          <a:p>
+            <a:pPr algn="ctr"/>
+            <a:r>
+              <a:rPr lang="en-US" sz="3600" dirty="0" smtClean="0">
+                <a:latin typeface="Avenir Black"/>
+                <a:cs typeface="Avenir Black"/>
+              </a:rPr>
+              <a:t>Try it out!  </a:t>
+            </a:r>
+          </a:p>
+          <a:p>
+            <a:pPr algn="ctr"/>
+            <a:r>
+              <a:rPr lang="en-US" sz="3600" dirty="0" smtClean="0">
+                <a:latin typeface="Avenir Black"/>
+                <a:cs typeface="Avenir Black"/>
+              </a:rPr>
+              <a:t>Register by texting your bldg #</a:t>
+            </a:r>
+          </a:p>
+          <a:p>
+            <a:pPr algn="ctr"/>
+            <a:r>
+              <a:rPr lang="en-US" sz="3600" dirty="0">
+                <a:latin typeface="Avenir Black"/>
+                <a:cs typeface="Avenir Black"/>
+              </a:rPr>
+              <a:t>t</a:t>
+            </a:r>
+            <a:r>
+              <a:rPr lang="en-US" sz="3600" dirty="0" smtClean="0">
+                <a:latin typeface="Avenir Black"/>
+                <a:cs typeface="Avenir Black"/>
+              </a:rPr>
+              <a:t>o</a:t>
+            </a:r>
+          </a:p>
+          <a:p>
+            <a:pPr algn="ctr"/>
+            <a:endParaRPr lang="en-US" sz="3600" dirty="0" smtClean="0">
+              <a:latin typeface="Avenir Black"/>
+              <a:cs typeface="Avenir Black"/>
+            </a:endParaRPr>
+          </a:p>
+          <a:p>
+            <a:pPr algn="ctr"/>
+            <a:r>
+              <a:rPr lang="en-US" sz="3600" dirty="0" smtClean="0">
+                <a:latin typeface="Avenir Black"/>
+                <a:cs typeface="Avenir Black"/>
+              </a:rPr>
+              <a:t>(760) 452-8548</a:t>
+            </a:r>
+            <a:endParaRPr lang="en-US" sz="3600" dirty="0">
+              <a:latin typeface="Avenir Black"/>
+              <a:cs typeface="Avenir Black"/>
+            </a:endParaRPr>
+          </a:p>
+        </p:txBody>
+      </p:sp>
+      <p:sp>
+        <p:nvSpPr>
+          <p:cNvPr id="22" name="Down Arrow 21"/>
+          <p:cNvSpPr/>
+          <p:nvPr/>
+        </p:nvSpPr>
+        <p:spPr>
+          <a:xfrm>
+            <a:off x="4127229" y="3330880"/>
+            <a:ext cx="1018329" cy="1749321"/>
+          </a:xfrm>
+          <a:prstGeom prst="downArrow">
+            <a:avLst/>
+          </a:prstGeom>
+          <a:solidFill>
+            <a:schemeClr val="bg1">
+              <a:lumMod val="50000"/>
+            </a:schemeClr>
+          </a:solidFill>
+          <a:ln>
+            <a:noFill/>
+          </a:ln>
+        </p:spPr>
+        <p:style>
+          <a:lnRef idx="1">
+            <a:schemeClr val="accent1"/>
+          </a:lnRef>
+          <a:fillRef idx="3">
+            <a:schemeClr val="accent1"/>
+          </a:fillRef>
+          <a:effectRef idx="2">
+            <a:schemeClr val="accent1"/>
+          </a:effectRef>
+          <a:fontRef idx="minor">
+            <a:schemeClr val="lt1"/>
+          </a:fontRef>
+        </p:style>
+        <p:txBody>
+          <a:bodyPr rtlCol="0" anchor="ctr"/>
+          <a:lstStyle/>
+          <a:p>
+            <a:pPr algn="ctr"/>
+            <a:endParaRPr lang="en-US"/>
+          </a:p>
+        </p:txBody>
+      </p:sp>
+      <p:sp>
+        <p:nvSpPr>
+          <p:cNvPr id="24" name="Rectangle 23"/>
+          <p:cNvSpPr/>
+          <p:nvPr/>
+        </p:nvSpPr>
+        <p:spPr>
+          <a:xfrm>
+            <a:off x="3062845" y="5080201"/>
+            <a:ext cx="3018317" cy="369332"/>
+          </a:xfrm>
+          <a:prstGeom prst="rect">
+            <a:avLst/>
+          </a:prstGeom>
+        </p:spPr>
+        <p:txBody>
+          <a:bodyPr wrap="none">
+            <a:spAutoFit/>
+          </a:bodyPr>
+          <a:lstStyle/>
+          <a:p>
+            <a:pPr algn="ctr"/>
+            <a:r>
+              <a:rPr lang="en-US" dirty="0" smtClean="0">
+                <a:latin typeface="Avenir Black"/>
+                <a:cs typeface="Avenir Black"/>
+              </a:rPr>
+              <a:t>(see bldg numbers below)</a:t>
+            </a:r>
+            <a:endParaRPr lang="en-US" dirty="0">
+              <a:latin typeface="Avenir Black"/>
+              <a:cs typeface="Avenir Black"/>
+            </a:endParaRPr>
           </a:p>
         </p:txBody>
       </p:sp>
